--- a/ppt 16-9/1144.赞慕美地.pptx
+++ b/ppt 16-9/1144.赞慕美地.pptx
@@ -5,7 +5,7 @@
     <p:sldMasterId id="2147483648" r:id="rId1"/>
   </p:sldMasterIdLst>
   <p:sldIdLst>
-    <p:sldId id="636" r:id="rId2"/>
+    <p:sldId id="638" r:id="rId2"/>
   </p:sldIdLst>
   <p:sldSz cx="12192000" cy="6858000"/>
   <p:notesSz cx="6858000" cy="9144000"/>
@@ -129,7 +129,7 @@
           <p:cNvPr id="2" name="标题 1">
             <a:extLst>
               <a:ext uri="{FF2B5EF4-FFF2-40B4-BE49-F238E27FC236}">
-                <a16:creationId xmlns:a16="http://schemas.microsoft.com/office/drawing/2014/main" id="{05C2D64F-DF87-E305-33A9-F7A15F2AC734}"/>
+                <a16:creationId xmlns:a16="http://schemas.microsoft.com/office/drawing/2014/main" id="{5B13624F-8582-23AD-A653-3D63FC3776E0}"/>
               </a:ext>
             </a:extLst>
           </p:cNvPr>
@@ -166,7 +166,7 @@
           <p:cNvPr id="3" name="副标题 2">
             <a:extLst>
               <a:ext uri="{FF2B5EF4-FFF2-40B4-BE49-F238E27FC236}">
-                <a16:creationId xmlns:a16="http://schemas.microsoft.com/office/drawing/2014/main" id="{28D19834-1197-25FB-2BBB-F52FD7B66810}"/>
+                <a16:creationId xmlns:a16="http://schemas.microsoft.com/office/drawing/2014/main" id="{9B03DC9D-C40B-7474-0636-8B3F7B7BBC92}"/>
               </a:ext>
             </a:extLst>
           </p:cNvPr>
@@ -236,7 +236,7 @@
           <p:cNvPr id="4" name="日期占位符 3">
             <a:extLst>
               <a:ext uri="{FF2B5EF4-FFF2-40B4-BE49-F238E27FC236}">
-                <a16:creationId xmlns:a16="http://schemas.microsoft.com/office/drawing/2014/main" id="{BB0399F6-515D-AAD1-48B4-D1266DDCAE46}"/>
+                <a16:creationId xmlns:a16="http://schemas.microsoft.com/office/drawing/2014/main" id="{778062EE-A23E-8667-5997-9181C8321A4C}"/>
               </a:ext>
             </a:extLst>
           </p:cNvPr>
@@ -252,7 +252,7 @@
           <a:bodyPr/>
           <a:lstStyle/>
           <a:p>
-            <a:fld id="{F8AA94FD-5F97-49D8-B02E-09D49BBC1826}" type="datetimeFigureOut">
+            <a:fld id="{23388E30-731F-4715-86E1-F5B2FA431837}" type="datetimeFigureOut">
               <a:rPr lang="zh-CN" altLang="en-US" smtClean="0"/>
               <a:t>2024/3/10</a:t>
             </a:fld>
@@ -265,7 +265,7 @@
           <p:cNvPr id="5" name="页脚占位符 4">
             <a:extLst>
               <a:ext uri="{FF2B5EF4-FFF2-40B4-BE49-F238E27FC236}">
-                <a16:creationId xmlns:a16="http://schemas.microsoft.com/office/drawing/2014/main" id="{9DF4E376-E429-4CE5-664A-72970D061326}"/>
+                <a16:creationId xmlns:a16="http://schemas.microsoft.com/office/drawing/2014/main" id="{3A4085C1-3766-BD7F-5AE9-93DA3C2055C5}"/>
               </a:ext>
             </a:extLst>
           </p:cNvPr>
@@ -290,7 +290,7 @@
           <p:cNvPr id="6" name="灯片编号占位符 5">
             <a:extLst>
               <a:ext uri="{FF2B5EF4-FFF2-40B4-BE49-F238E27FC236}">
-                <a16:creationId xmlns:a16="http://schemas.microsoft.com/office/drawing/2014/main" id="{0B9672C3-7540-0E2B-0A49-562934C28F84}"/>
+                <a16:creationId xmlns:a16="http://schemas.microsoft.com/office/drawing/2014/main" id="{4F209118-B031-BE27-0E50-D77CCA014196}"/>
               </a:ext>
             </a:extLst>
           </p:cNvPr>
@@ -306,7 +306,7 @@
           <a:bodyPr/>
           <a:lstStyle/>
           <a:p>
-            <a:fld id="{6732A8B9-792D-42C9-9AEA-0DC0D430C00F}" type="slidenum">
+            <a:fld id="{5F24DFBC-CE9A-4FC5-A88C-D724DC940880}" type="slidenum">
               <a:rPr lang="zh-CN" altLang="en-US" smtClean="0"/>
               <a:t>‹#›</a:t>
             </a:fld>
@@ -317,7 +317,7 @@
     </p:spTree>
     <p:extLst>
       <p:ext uri="{BB962C8B-B14F-4D97-AF65-F5344CB8AC3E}">
-        <p14:creationId xmlns:p14="http://schemas.microsoft.com/office/powerpoint/2010/main" val="129735340"/>
+        <p14:creationId xmlns:p14="http://schemas.microsoft.com/office/powerpoint/2010/main" val="3209924739"/>
       </p:ext>
     </p:extLst>
   </p:cSld>
@@ -349,7 +349,7 @@
           <p:cNvPr id="2" name="标题 1">
             <a:extLst>
               <a:ext uri="{FF2B5EF4-FFF2-40B4-BE49-F238E27FC236}">
-                <a16:creationId xmlns:a16="http://schemas.microsoft.com/office/drawing/2014/main" id="{B06DDF8F-204C-F98E-71D9-DDFC282F2A54}"/>
+                <a16:creationId xmlns:a16="http://schemas.microsoft.com/office/drawing/2014/main" id="{1CC3504A-932E-E314-CEB0-6682AA949B7D}"/>
               </a:ext>
             </a:extLst>
           </p:cNvPr>
@@ -377,7 +377,7 @@
           <p:cNvPr id="3" name="竖排文字占位符 2">
             <a:extLst>
               <a:ext uri="{FF2B5EF4-FFF2-40B4-BE49-F238E27FC236}">
-                <a16:creationId xmlns:a16="http://schemas.microsoft.com/office/drawing/2014/main" id="{7DA82B70-A4D8-37C3-A323-CE82CED03E83}"/>
+                <a16:creationId xmlns:a16="http://schemas.microsoft.com/office/drawing/2014/main" id="{4D51672A-4A9F-57B7-91C4-46A500F13F04}"/>
               </a:ext>
             </a:extLst>
           </p:cNvPr>
@@ -434,7 +434,7 @@
           <p:cNvPr id="4" name="日期占位符 3">
             <a:extLst>
               <a:ext uri="{FF2B5EF4-FFF2-40B4-BE49-F238E27FC236}">
-                <a16:creationId xmlns:a16="http://schemas.microsoft.com/office/drawing/2014/main" id="{EF327C93-807C-CCE0-CD95-7AF65D1D5EB4}"/>
+                <a16:creationId xmlns:a16="http://schemas.microsoft.com/office/drawing/2014/main" id="{1B02EAB8-D0E7-561E-2F49-6498EB7761C7}"/>
               </a:ext>
             </a:extLst>
           </p:cNvPr>
@@ -450,7 +450,7 @@
           <a:bodyPr/>
           <a:lstStyle/>
           <a:p>
-            <a:fld id="{F8AA94FD-5F97-49D8-B02E-09D49BBC1826}" type="datetimeFigureOut">
+            <a:fld id="{23388E30-731F-4715-86E1-F5B2FA431837}" type="datetimeFigureOut">
               <a:rPr lang="zh-CN" altLang="en-US" smtClean="0"/>
               <a:t>2024/3/10</a:t>
             </a:fld>
@@ -463,7 +463,7 @@
           <p:cNvPr id="5" name="页脚占位符 4">
             <a:extLst>
               <a:ext uri="{FF2B5EF4-FFF2-40B4-BE49-F238E27FC236}">
-                <a16:creationId xmlns:a16="http://schemas.microsoft.com/office/drawing/2014/main" id="{270365E3-6908-A3C1-AD1A-579FF8CF24D3}"/>
+                <a16:creationId xmlns:a16="http://schemas.microsoft.com/office/drawing/2014/main" id="{341AD18F-0E26-9DE2-44EB-646F25FE5C96}"/>
               </a:ext>
             </a:extLst>
           </p:cNvPr>
@@ -488,7 +488,7 @@
           <p:cNvPr id="6" name="灯片编号占位符 5">
             <a:extLst>
               <a:ext uri="{FF2B5EF4-FFF2-40B4-BE49-F238E27FC236}">
-                <a16:creationId xmlns:a16="http://schemas.microsoft.com/office/drawing/2014/main" id="{3E5AEB8B-0469-F7E1-A042-7940A48341C1}"/>
+                <a16:creationId xmlns:a16="http://schemas.microsoft.com/office/drawing/2014/main" id="{37AB8D57-477B-5832-660A-60181697A346}"/>
               </a:ext>
             </a:extLst>
           </p:cNvPr>
@@ -504,7 +504,7 @@
           <a:bodyPr/>
           <a:lstStyle/>
           <a:p>
-            <a:fld id="{6732A8B9-792D-42C9-9AEA-0DC0D430C00F}" type="slidenum">
+            <a:fld id="{5F24DFBC-CE9A-4FC5-A88C-D724DC940880}" type="slidenum">
               <a:rPr lang="zh-CN" altLang="en-US" smtClean="0"/>
               <a:t>‹#›</a:t>
             </a:fld>
@@ -515,7 +515,7 @@
     </p:spTree>
     <p:extLst>
       <p:ext uri="{BB962C8B-B14F-4D97-AF65-F5344CB8AC3E}">
-        <p14:creationId xmlns:p14="http://schemas.microsoft.com/office/powerpoint/2010/main" val="992550570"/>
+        <p14:creationId xmlns:p14="http://schemas.microsoft.com/office/powerpoint/2010/main" val="2350760135"/>
       </p:ext>
     </p:extLst>
   </p:cSld>
@@ -547,7 +547,7 @@
           <p:cNvPr id="2" name="竖排标题 1">
             <a:extLst>
               <a:ext uri="{FF2B5EF4-FFF2-40B4-BE49-F238E27FC236}">
-                <a16:creationId xmlns:a16="http://schemas.microsoft.com/office/drawing/2014/main" id="{69EE37A7-7B13-316E-CAEA-31DDBF82BDDD}"/>
+                <a16:creationId xmlns:a16="http://schemas.microsoft.com/office/drawing/2014/main" id="{9397FBDE-4209-0A69-872B-5784E78D27E6}"/>
               </a:ext>
             </a:extLst>
           </p:cNvPr>
@@ -580,7 +580,7 @@
           <p:cNvPr id="3" name="竖排文字占位符 2">
             <a:extLst>
               <a:ext uri="{FF2B5EF4-FFF2-40B4-BE49-F238E27FC236}">
-                <a16:creationId xmlns:a16="http://schemas.microsoft.com/office/drawing/2014/main" id="{451FFCC3-43CE-5C00-B761-11D83BCF8FBC}"/>
+                <a16:creationId xmlns:a16="http://schemas.microsoft.com/office/drawing/2014/main" id="{BD5B89B8-A80F-8FBB-04A3-9907D363B469}"/>
               </a:ext>
             </a:extLst>
           </p:cNvPr>
@@ -642,7 +642,7 @@
           <p:cNvPr id="4" name="日期占位符 3">
             <a:extLst>
               <a:ext uri="{FF2B5EF4-FFF2-40B4-BE49-F238E27FC236}">
-                <a16:creationId xmlns:a16="http://schemas.microsoft.com/office/drawing/2014/main" id="{4B290FE7-439F-F432-8144-940725C68938}"/>
+                <a16:creationId xmlns:a16="http://schemas.microsoft.com/office/drawing/2014/main" id="{A7DEAA15-A644-E5D3-4A38-99FCCDCD13A4}"/>
               </a:ext>
             </a:extLst>
           </p:cNvPr>
@@ -658,7 +658,7 @@
           <a:bodyPr/>
           <a:lstStyle/>
           <a:p>
-            <a:fld id="{F8AA94FD-5F97-49D8-B02E-09D49BBC1826}" type="datetimeFigureOut">
+            <a:fld id="{23388E30-731F-4715-86E1-F5B2FA431837}" type="datetimeFigureOut">
               <a:rPr lang="zh-CN" altLang="en-US" smtClean="0"/>
               <a:t>2024/3/10</a:t>
             </a:fld>
@@ -671,7 +671,7 @@
           <p:cNvPr id="5" name="页脚占位符 4">
             <a:extLst>
               <a:ext uri="{FF2B5EF4-FFF2-40B4-BE49-F238E27FC236}">
-                <a16:creationId xmlns:a16="http://schemas.microsoft.com/office/drawing/2014/main" id="{299A09BA-D40C-8071-AFD0-3954513FB247}"/>
+                <a16:creationId xmlns:a16="http://schemas.microsoft.com/office/drawing/2014/main" id="{E357A735-DAD2-5B06-4386-19CD5F7038A6}"/>
               </a:ext>
             </a:extLst>
           </p:cNvPr>
@@ -696,7 +696,7 @@
           <p:cNvPr id="6" name="灯片编号占位符 5">
             <a:extLst>
               <a:ext uri="{FF2B5EF4-FFF2-40B4-BE49-F238E27FC236}">
-                <a16:creationId xmlns:a16="http://schemas.microsoft.com/office/drawing/2014/main" id="{25727300-8310-D925-F8F1-D74353175305}"/>
+                <a16:creationId xmlns:a16="http://schemas.microsoft.com/office/drawing/2014/main" id="{4600B7F3-5D4C-4A11-9A59-73CC5E720677}"/>
               </a:ext>
             </a:extLst>
           </p:cNvPr>
@@ -712,7 +712,7 @@
           <a:bodyPr/>
           <a:lstStyle/>
           <a:p>
-            <a:fld id="{6732A8B9-792D-42C9-9AEA-0DC0D430C00F}" type="slidenum">
+            <a:fld id="{5F24DFBC-CE9A-4FC5-A88C-D724DC940880}" type="slidenum">
               <a:rPr lang="zh-CN" altLang="en-US" smtClean="0"/>
               <a:t>‹#›</a:t>
             </a:fld>
@@ -723,7 +723,7 @@
     </p:spTree>
     <p:extLst>
       <p:ext uri="{BB962C8B-B14F-4D97-AF65-F5344CB8AC3E}">
-        <p14:creationId xmlns:p14="http://schemas.microsoft.com/office/powerpoint/2010/main" val="3826021385"/>
+        <p14:creationId xmlns:p14="http://schemas.microsoft.com/office/powerpoint/2010/main" val="1691244836"/>
       </p:ext>
     </p:extLst>
   </p:cSld>
@@ -755,7 +755,7 @@
           <p:cNvPr id="2" name="标题 1">
             <a:extLst>
               <a:ext uri="{FF2B5EF4-FFF2-40B4-BE49-F238E27FC236}">
-                <a16:creationId xmlns:a16="http://schemas.microsoft.com/office/drawing/2014/main" id="{97CC6309-5205-86DA-A647-3E9F6069E50C}"/>
+                <a16:creationId xmlns:a16="http://schemas.microsoft.com/office/drawing/2014/main" id="{CC085C9F-178E-9F10-34BD-4C14B378A862}"/>
               </a:ext>
             </a:extLst>
           </p:cNvPr>
@@ -783,7 +783,7 @@
           <p:cNvPr id="3" name="内容占位符 2">
             <a:extLst>
               <a:ext uri="{FF2B5EF4-FFF2-40B4-BE49-F238E27FC236}">
-                <a16:creationId xmlns:a16="http://schemas.microsoft.com/office/drawing/2014/main" id="{EC955B9C-DC0B-93AC-D1E1-D28322432F0E}"/>
+                <a16:creationId xmlns:a16="http://schemas.microsoft.com/office/drawing/2014/main" id="{0236D909-C855-2D07-2234-EE11D781FAA5}"/>
               </a:ext>
             </a:extLst>
           </p:cNvPr>
@@ -840,7 +840,7 @@
           <p:cNvPr id="4" name="日期占位符 3">
             <a:extLst>
               <a:ext uri="{FF2B5EF4-FFF2-40B4-BE49-F238E27FC236}">
-                <a16:creationId xmlns:a16="http://schemas.microsoft.com/office/drawing/2014/main" id="{3090A5AB-44FB-681F-5A24-1A206E883688}"/>
+                <a16:creationId xmlns:a16="http://schemas.microsoft.com/office/drawing/2014/main" id="{A84E0426-B7E4-45B4-B8F4-1DF87E1C350C}"/>
               </a:ext>
             </a:extLst>
           </p:cNvPr>
@@ -856,7 +856,7 @@
           <a:bodyPr/>
           <a:lstStyle/>
           <a:p>
-            <a:fld id="{F8AA94FD-5F97-49D8-B02E-09D49BBC1826}" type="datetimeFigureOut">
+            <a:fld id="{23388E30-731F-4715-86E1-F5B2FA431837}" type="datetimeFigureOut">
               <a:rPr lang="zh-CN" altLang="en-US" smtClean="0"/>
               <a:t>2024/3/10</a:t>
             </a:fld>
@@ -869,7 +869,7 @@
           <p:cNvPr id="5" name="页脚占位符 4">
             <a:extLst>
               <a:ext uri="{FF2B5EF4-FFF2-40B4-BE49-F238E27FC236}">
-                <a16:creationId xmlns:a16="http://schemas.microsoft.com/office/drawing/2014/main" id="{6255D3E4-31DD-BC28-B60B-04755A99B51E}"/>
+                <a16:creationId xmlns:a16="http://schemas.microsoft.com/office/drawing/2014/main" id="{2BF1DBDD-6A53-DE5F-3A52-34C3E5AF8B7A}"/>
               </a:ext>
             </a:extLst>
           </p:cNvPr>
@@ -894,7 +894,7 @@
           <p:cNvPr id="6" name="灯片编号占位符 5">
             <a:extLst>
               <a:ext uri="{FF2B5EF4-FFF2-40B4-BE49-F238E27FC236}">
-                <a16:creationId xmlns:a16="http://schemas.microsoft.com/office/drawing/2014/main" id="{79737952-FA2C-8CDC-5BFB-DC4CAB53806C}"/>
+                <a16:creationId xmlns:a16="http://schemas.microsoft.com/office/drawing/2014/main" id="{F962DF7D-4899-68FA-2847-EC82E0CA06ED}"/>
               </a:ext>
             </a:extLst>
           </p:cNvPr>
@@ -910,7 +910,7 @@
           <a:bodyPr/>
           <a:lstStyle/>
           <a:p>
-            <a:fld id="{6732A8B9-792D-42C9-9AEA-0DC0D430C00F}" type="slidenum">
+            <a:fld id="{5F24DFBC-CE9A-4FC5-A88C-D724DC940880}" type="slidenum">
               <a:rPr lang="zh-CN" altLang="en-US" smtClean="0"/>
               <a:t>‹#›</a:t>
             </a:fld>
@@ -921,7 +921,7 @@
     </p:spTree>
     <p:extLst>
       <p:ext uri="{BB962C8B-B14F-4D97-AF65-F5344CB8AC3E}">
-        <p14:creationId xmlns:p14="http://schemas.microsoft.com/office/powerpoint/2010/main" val="1620673298"/>
+        <p14:creationId xmlns:p14="http://schemas.microsoft.com/office/powerpoint/2010/main" val="3322247687"/>
       </p:ext>
     </p:extLst>
   </p:cSld>
@@ -953,7 +953,7 @@
           <p:cNvPr id="2" name="标题 1">
             <a:extLst>
               <a:ext uri="{FF2B5EF4-FFF2-40B4-BE49-F238E27FC236}">
-                <a16:creationId xmlns:a16="http://schemas.microsoft.com/office/drawing/2014/main" id="{A71CA887-F364-2565-81FA-2C768F3D78E9}"/>
+                <a16:creationId xmlns:a16="http://schemas.microsoft.com/office/drawing/2014/main" id="{59AE84BF-6B9C-0ECD-606A-9F9A5AEB5D58}"/>
               </a:ext>
             </a:extLst>
           </p:cNvPr>
@@ -990,7 +990,7 @@
           <p:cNvPr id="3" name="文本占位符 2">
             <a:extLst>
               <a:ext uri="{FF2B5EF4-FFF2-40B4-BE49-F238E27FC236}">
-                <a16:creationId xmlns:a16="http://schemas.microsoft.com/office/drawing/2014/main" id="{4132AD1A-F4E2-E091-6D24-BDEC94BDC570}"/>
+                <a16:creationId xmlns:a16="http://schemas.microsoft.com/office/drawing/2014/main" id="{FF863CF0-7824-002E-E029-6B81E86B8572}"/>
               </a:ext>
             </a:extLst>
           </p:cNvPr>
@@ -1115,7 +1115,7 @@
           <p:cNvPr id="4" name="日期占位符 3">
             <a:extLst>
               <a:ext uri="{FF2B5EF4-FFF2-40B4-BE49-F238E27FC236}">
-                <a16:creationId xmlns:a16="http://schemas.microsoft.com/office/drawing/2014/main" id="{AA179DF9-1812-2BB6-351C-5851B5227A1A}"/>
+                <a16:creationId xmlns:a16="http://schemas.microsoft.com/office/drawing/2014/main" id="{599D7FC5-6E85-C4E7-6E03-8D7D129EBB74}"/>
               </a:ext>
             </a:extLst>
           </p:cNvPr>
@@ -1131,7 +1131,7 @@
           <a:bodyPr/>
           <a:lstStyle/>
           <a:p>
-            <a:fld id="{F8AA94FD-5F97-49D8-B02E-09D49BBC1826}" type="datetimeFigureOut">
+            <a:fld id="{23388E30-731F-4715-86E1-F5B2FA431837}" type="datetimeFigureOut">
               <a:rPr lang="zh-CN" altLang="en-US" smtClean="0"/>
               <a:t>2024/3/10</a:t>
             </a:fld>
@@ -1144,7 +1144,7 @@
           <p:cNvPr id="5" name="页脚占位符 4">
             <a:extLst>
               <a:ext uri="{FF2B5EF4-FFF2-40B4-BE49-F238E27FC236}">
-                <a16:creationId xmlns:a16="http://schemas.microsoft.com/office/drawing/2014/main" id="{234459B2-2EF5-0D58-ABE6-0FAEA182D3F5}"/>
+                <a16:creationId xmlns:a16="http://schemas.microsoft.com/office/drawing/2014/main" id="{C88B7B87-C6A1-5207-4BCF-6A020512B0C4}"/>
               </a:ext>
             </a:extLst>
           </p:cNvPr>
@@ -1169,7 +1169,7 @@
           <p:cNvPr id="6" name="灯片编号占位符 5">
             <a:extLst>
               <a:ext uri="{FF2B5EF4-FFF2-40B4-BE49-F238E27FC236}">
-                <a16:creationId xmlns:a16="http://schemas.microsoft.com/office/drawing/2014/main" id="{1FC9FDF8-6538-83A1-4F16-AFEC97DC1E56}"/>
+                <a16:creationId xmlns:a16="http://schemas.microsoft.com/office/drawing/2014/main" id="{81066EB3-ABDA-61EB-5791-0339A682B7D8}"/>
               </a:ext>
             </a:extLst>
           </p:cNvPr>
@@ -1185,7 +1185,7 @@
           <a:bodyPr/>
           <a:lstStyle/>
           <a:p>
-            <a:fld id="{6732A8B9-792D-42C9-9AEA-0DC0D430C00F}" type="slidenum">
+            <a:fld id="{5F24DFBC-CE9A-4FC5-A88C-D724DC940880}" type="slidenum">
               <a:rPr lang="zh-CN" altLang="en-US" smtClean="0"/>
               <a:t>‹#›</a:t>
             </a:fld>
@@ -1196,7 +1196,7 @@
     </p:spTree>
     <p:extLst>
       <p:ext uri="{BB962C8B-B14F-4D97-AF65-F5344CB8AC3E}">
-        <p14:creationId xmlns:p14="http://schemas.microsoft.com/office/powerpoint/2010/main" val="320319126"/>
+        <p14:creationId xmlns:p14="http://schemas.microsoft.com/office/powerpoint/2010/main" val="3674318045"/>
       </p:ext>
     </p:extLst>
   </p:cSld>
@@ -1228,7 +1228,7 @@
           <p:cNvPr id="2" name="标题 1">
             <a:extLst>
               <a:ext uri="{FF2B5EF4-FFF2-40B4-BE49-F238E27FC236}">
-                <a16:creationId xmlns:a16="http://schemas.microsoft.com/office/drawing/2014/main" id="{58A060C5-E651-B7E8-7779-8922996B98FA}"/>
+                <a16:creationId xmlns:a16="http://schemas.microsoft.com/office/drawing/2014/main" id="{4244B72A-086B-9BC4-583C-DEEDD7EBB9AE}"/>
               </a:ext>
             </a:extLst>
           </p:cNvPr>
@@ -1256,7 +1256,7 @@
           <p:cNvPr id="3" name="内容占位符 2">
             <a:extLst>
               <a:ext uri="{FF2B5EF4-FFF2-40B4-BE49-F238E27FC236}">
-                <a16:creationId xmlns:a16="http://schemas.microsoft.com/office/drawing/2014/main" id="{06F9B974-BC64-3A32-FDF9-B408C83974CC}"/>
+                <a16:creationId xmlns:a16="http://schemas.microsoft.com/office/drawing/2014/main" id="{7FA27263-7497-F604-CA57-0F54F89C7830}"/>
               </a:ext>
             </a:extLst>
           </p:cNvPr>
@@ -1318,7 +1318,7 @@
           <p:cNvPr id="4" name="内容占位符 3">
             <a:extLst>
               <a:ext uri="{FF2B5EF4-FFF2-40B4-BE49-F238E27FC236}">
-                <a16:creationId xmlns:a16="http://schemas.microsoft.com/office/drawing/2014/main" id="{577060C7-8442-A750-91A0-31652CA128E3}"/>
+                <a16:creationId xmlns:a16="http://schemas.microsoft.com/office/drawing/2014/main" id="{AAE862B7-1088-FAC4-F0D7-6A0D9F961449}"/>
               </a:ext>
             </a:extLst>
           </p:cNvPr>
@@ -1380,7 +1380,7 @@
           <p:cNvPr id="5" name="日期占位符 4">
             <a:extLst>
               <a:ext uri="{FF2B5EF4-FFF2-40B4-BE49-F238E27FC236}">
-                <a16:creationId xmlns:a16="http://schemas.microsoft.com/office/drawing/2014/main" id="{3DF3C327-919D-3741-FA3C-DB879CC42510}"/>
+                <a16:creationId xmlns:a16="http://schemas.microsoft.com/office/drawing/2014/main" id="{5B4C7851-F812-4B2E-D498-7A5F361386D0}"/>
               </a:ext>
             </a:extLst>
           </p:cNvPr>
@@ -1396,7 +1396,7 @@
           <a:bodyPr/>
           <a:lstStyle/>
           <a:p>
-            <a:fld id="{F8AA94FD-5F97-49D8-B02E-09D49BBC1826}" type="datetimeFigureOut">
+            <a:fld id="{23388E30-731F-4715-86E1-F5B2FA431837}" type="datetimeFigureOut">
               <a:rPr lang="zh-CN" altLang="en-US" smtClean="0"/>
               <a:t>2024/3/10</a:t>
             </a:fld>
@@ -1409,7 +1409,7 @@
           <p:cNvPr id="6" name="页脚占位符 5">
             <a:extLst>
               <a:ext uri="{FF2B5EF4-FFF2-40B4-BE49-F238E27FC236}">
-                <a16:creationId xmlns:a16="http://schemas.microsoft.com/office/drawing/2014/main" id="{D9BA2A4C-41DE-661C-3D9D-45AFF9A9D9DE}"/>
+                <a16:creationId xmlns:a16="http://schemas.microsoft.com/office/drawing/2014/main" id="{B6CF8794-4F27-F134-519D-01F0A763E0C0}"/>
               </a:ext>
             </a:extLst>
           </p:cNvPr>
@@ -1434,7 +1434,7 @@
           <p:cNvPr id="7" name="灯片编号占位符 6">
             <a:extLst>
               <a:ext uri="{FF2B5EF4-FFF2-40B4-BE49-F238E27FC236}">
-                <a16:creationId xmlns:a16="http://schemas.microsoft.com/office/drawing/2014/main" id="{523FBFA0-1EEC-E683-DAC4-6E8491F319F6}"/>
+                <a16:creationId xmlns:a16="http://schemas.microsoft.com/office/drawing/2014/main" id="{80809808-21F3-DAD9-4C81-DE180CCC6F2C}"/>
               </a:ext>
             </a:extLst>
           </p:cNvPr>
@@ -1450,7 +1450,7 @@
           <a:bodyPr/>
           <a:lstStyle/>
           <a:p>
-            <a:fld id="{6732A8B9-792D-42C9-9AEA-0DC0D430C00F}" type="slidenum">
+            <a:fld id="{5F24DFBC-CE9A-4FC5-A88C-D724DC940880}" type="slidenum">
               <a:rPr lang="zh-CN" altLang="en-US" smtClean="0"/>
               <a:t>‹#›</a:t>
             </a:fld>
@@ -1461,7 +1461,7 @@
     </p:spTree>
     <p:extLst>
       <p:ext uri="{BB962C8B-B14F-4D97-AF65-F5344CB8AC3E}">
-        <p14:creationId xmlns:p14="http://schemas.microsoft.com/office/powerpoint/2010/main" val="230077028"/>
+        <p14:creationId xmlns:p14="http://schemas.microsoft.com/office/powerpoint/2010/main" val="66378236"/>
       </p:ext>
     </p:extLst>
   </p:cSld>
@@ -1493,7 +1493,7 @@
           <p:cNvPr id="2" name="标题 1">
             <a:extLst>
               <a:ext uri="{FF2B5EF4-FFF2-40B4-BE49-F238E27FC236}">
-                <a16:creationId xmlns:a16="http://schemas.microsoft.com/office/drawing/2014/main" id="{D50DAD73-0413-B3B7-56E9-55AB5EB360B8}"/>
+                <a16:creationId xmlns:a16="http://schemas.microsoft.com/office/drawing/2014/main" id="{9AABEFFE-3829-4CEB-0943-5CAE1DDD58DD}"/>
               </a:ext>
             </a:extLst>
           </p:cNvPr>
@@ -1526,7 +1526,7 @@
           <p:cNvPr id="3" name="文本占位符 2">
             <a:extLst>
               <a:ext uri="{FF2B5EF4-FFF2-40B4-BE49-F238E27FC236}">
-                <a16:creationId xmlns:a16="http://schemas.microsoft.com/office/drawing/2014/main" id="{553B93DF-9E55-CEDD-57ED-670474A6E929}"/>
+                <a16:creationId xmlns:a16="http://schemas.microsoft.com/office/drawing/2014/main" id="{FCF5E635-5273-45C4-63F7-4D67074CF699}"/>
               </a:ext>
             </a:extLst>
           </p:cNvPr>
@@ -1597,7 +1597,7 @@
           <p:cNvPr id="4" name="内容占位符 3">
             <a:extLst>
               <a:ext uri="{FF2B5EF4-FFF2-40B4-BE49-F238E27FC236}">
-                <a16:creationId xmlns:a16="http://schemas.microsoft.com/office/drawing/2014/main" id="{71126876-DE52-5F03-5E73-B041DC748487}"/>
+                <a16:creationId xmlns:a16="http://schemas.microsoft.com/office/drawing/2014/main" id="{F11C32AD-D148-574E-794D-FC2C01BC019C}"/>
               </a:ext>
             </a:extLst>
           </p:cNvPr>
@@ -1659,7 +1659,7 @@
           <p:cNvPr id="5" name="文本占位符 4">
             <a:extLst>
               <a:ext uri="{FF2B5EF4-FFF2-40B4-BE49-F238E27FC236}">
-                <a16:creationId xmlns:a16="http://schemas.microsoft.com/office/drawing/2014/main" id="{6B2C1211-2F77-CD9B-5367-4D098974EA02}"/>
+                <a16:creationId xmlns:a16="http://schemas.microsoft.com/office/drawing/2014/main" id="{40F09F91-4A90-7F74-C13C-2CECFB8A86AB}"/>
               </a:ext>
             </a:extLst>
           </p:cNvPr>
@@ -1730,7 +1730,7 @@
           <p:cNvPr id="6" name="内容占位符 5">
             <a:extLst>
               <a:ext uri="{FF2B5EF4-FFF2-40B4-BE49-F238E27FC236}">
-                <a16:creationId xmlns:a16="http://schemas.microsoft.com/office/drawing/2014/main" id="{138D9815-F6E0-CE77-DB94-675D2ED64E04}"/>
+                <a16:creationId xmlns:a16="http://schemas.microsoft.com/office/drawing/2014/main" id="{6E659BBD-6F35-D808-B468-0F1BEF921F6F}"/>
               </a:ext>
             </a:extLst>
           </p:cNvPr>
@@ -1792,7 +1792,7 @@
           <p:cNvPr id="7" name="日期占位符 6">
             <a:extLst>
               <a:ext uri="{FF2B5EF4-FFF2-40B4-BE49-F238E27FC236}">
-                <a16:creationId xmlns:a16="http://schemas.microsoft.com/office/drawing/2014/main" id="{2AAD35FF-DD45-6AD0-68C9-07566923FE6D}"/>
+                <a16:creationId xmlns:a16="http://schemas.microsoft.com/office/drawing/2014/main" id="{24321DCC-BEA4-21C1-9B60-265F6E17787F}"/>
               </a:ext>
             </a:extLst>
           </p:cNvPr>
@@ -1808,7 +1808,7 @@
           <a:bodyPr/>
           <a:lstStyle/>
           <a:p>
-            <a:fld id="{F8AA94FD-5F97-49D8-B02E-09D49BBC1826}" type="datetimeFigureOut">
+            <a:fld id="{23388E30-731F-4715-86E1-F5B2FA431837}" type="datetimeFigureOut">
               <a:rPr lang="zh-CN" altLang="en-US" smtClean="0"/>
               <a:t>2024/3/10</a:t>
             </a:fld>
@@ -1821,7 +1821,7 @@
           <p:cNvPr id="8" name="页脚占位符 7">
             <a:extLst>
               <a:ext uri="{FF2B5EF4-FFF2-40B4-BE49-F238E27FC236}">
-                <a16:creationId xmlns:a16="http://schemas.microsoft.com/office/drawing/2014/main" id="{0990F789-4730-3E5F-D3CD-66F42BB513B8}"/>
+                <a16:creationId xmlns:a16="http://schemas.microsoft.com/office/drawing/2014/main" id="{D76CF500-A9C5-6B8A-D3DF-4B352A49CE70}"/>
               </a:ext>
             </a:extLst>
           </p:cNvPr>
@@ -1846,7 +1846,7 @@
           <p:cNvPr id="9" name="灯片编号占位符 8">
             <a:extLst>
               <a:ext uri="{FF2B5EF4-FFF2-40B4-BE49-F238E27FC236}">
-                <a16:creationId xmlns:a16="http://schemas.microsoft.com/office/drawing/2014/main" id="{1F509D7E-4E95-8192-BE71-62EBD3F563FA}"/>
+                <a16:creationId xmlns:a16="http://schemas.microsoft.com/office/drawing/2014/main" id="{53658DCD-9573-5F51-8ABE-4E8846CB4C6E}"/>
               </a:ext>
             </a:extLst>
           </p:cNvPr>
@@ -1862,7 +1862,7 @@
           <a:bodyPr/>
           <a:lstStyle/>
           <a:p>
-            <a:fld id="{6732A8B9-792D-42C9-9AEA-0DC0D430C00F}" type="slidenum">
+            <a:fld id="{5F24DFBC-CE9A-4FC5-A88C-D724DC940880}" type="slidenum">
               <a:rPr lang="zh-CN" altLang="en-US" smtClean="0"/>
               <a:t>‹#›</a:t>
             </a:fld>
@@ -1873,7 +1873,7 @@
     </p:spTree>
     <p:extLst>
       <p:ext uri="{BB962C8B-B14F-4D97-AF65-F5344CB8AC3E}">
-        <p14:creationId xmlns:p14="http://schemas.microsoft.com/office/powerpoint/2010/main" val="3108541334"/>
+        <p14:creationId xmlns:p14="http://schemas.microsoft.com/office/powerpoint/2010/main" val="3816261701"/>
       </p:ext>
     </p:extLst>
   </p:cSld>
@@ -1905,7 +1905,7 @@
           <p:cNvPr id="2" name="标题 1">
             <a:extLst>
               <a:ext uri="{FF2B5EF4-FFF2-40B4-BE49-F238E27FC236}">
-                <a16:creationId xmlns:a16="http://schemas.microsoft.com/office/drawing/2014/main" id="{9CF5C933-7C54-42FC-1E67-9BAEDE4A37A2}"/>
+                <a16:creationId xmlns:a16="http://schemas.microsoft.com/office/drawing/2014/main" id="{FD5EF142-B2E0-1FB9-BBDF-1D3A38D87F40}"/>
               </a:ext>
             </a:extLst>
           </p:cNvPr>
@@ -1933,7 +1933,7 @@
           <p:cNvPr id="3" name="日期占位符 2">
             <a:extLst>
               <a:ext uri="{FF2B5EF4-FFF2-40B4-BE49-F238E27FC236}">
-                <a16:creationId xmlns:a16="http://schemas.microsoft.com/office/drawing/2014/main" id="{C7526E16-8F29-96E8-3B17-84E8298CE285}"/>
+                <a16:creationId xmlns:a16="http://schemas.microsoft.com/office/drawing/2014/main" id="{872D64AF-B5FD-EAFF-60DC-F02F720D01A1}"/>
               </a:ext>
             </a:extLst>
           </p:cNvPr>
@@ -1949,7 +1949,7 @@
           <a:bodyPr/>
           <a:lstStyle/>
           <a:p>
-            <a:fld id="{F8AA94FD-5F97-49D8-B02E-09D49BBC1826}" type="datetimeFigureOut">
+            <a:fld id="{23388E30-731F-4715-86E1-F5B2FA431837}" type="datetimeFigureOut">
               <a:rPr lang="zh-CN" altLang="en-US" smtClean="0"/>
               <a:t>2024/3/10</a:t>
             </a:fld>
@@ -1962,7 +1962,7 @@
           <p:cNvPr id="4" name="页脚占位符 3">
             <a:extLst>
               <a:ext uri="{FF2B5EF4-FFF2-40B4-BE49-F238E27FC236}">
-                <a16:creationId xmlns:a16="http://schemas.microsoft.com/office/drawing/2014/main" id="{CACC6B80-CBCA-ABF0-5FC5-8ADA55DE6BEE}"/>
+                <a16:creationId xmlns:a16="http://schemas.microsoft.com/office/drawing/2014/main" id="{C985CD6F-19F7-2107-BC1C-B252FAF161FB}"/>
               </a:ext>
             </a:extLst>
           </p:cNvPr>
@@ -1987,7 +1987,7 @@
           <p:cNvPr id="5" name="灯片编号占位符 4">
             <a:extLst>
               <a:ext uri="{FF2B5EF4-FFF2-40B4-BE49-F238E27FC236}">
-                <a16:creationId xmlns:a16="http://schemas.microsoft.com/office/drawing/2014/main" id="{752924E8-E55B-E215-88B2-9A911C9A7BCC}"/>
+                <a16:creationId xmlns:a16="http://schemas.microsoft.com/office/drawing/2014/main" id="{89BDB095-7018-B07E-59E3-CB26827D53F8}"/>
               </a:ext>
             </a:extLst>
           </p:cNvPr>
@@ -2003,7 +2003,7 @@
           <a:bodyPr/>
           <a:lstStyle/>
           <a:p>
-            <a:fld id="{6732A8B9-792D-42C9-9AEA-0DC0D430C00F}" type="slidenum">
+            <a:fld id="{5F24DFBC-CE9A-4FC5-A88C-D724DC940880}" type="slidenum">
               <a:rPr lang="zh-CN" altLang="en-US" smtClean="0"/>
               <a:t>‹#›</a:t>
             </a:fld>
@@ -2014,7 +2014,7 @@
     </p:spTree>
     <p:extLst>
       <p:ext uri="{BB962C8B-B14F-4D97-AF65-F5344CB8AC3E}">
-        <p14:creationId xmlns:p14="http://schemas.microsoft.com/office/powerpoint/2010/main" val="3078589557"/>
+        <p14:creationId xmlns:p14="http://schemas.microsoft.com/office/powerpoint/2010/main" val="2667881879"/>
       </p:ext>
     </p:extLst>
   </p:cSld>
@@ -2046,7 +2046,7 @@
           <p:cNvPr id="2" name="日期占位符 1">
             <a:extLst>
               <a:ext uri="{FF2B5EF4-FFF2-40B4-BE49-F238E27FC236}">
-                <a16:creationId xmlns:a16="http://schemas.microsoft.com/office/drawing/2014/main" id="{F790CE04-2C0F-4ADA-6D87-82A3512990F0}"/>
+                <a16:creationId xmlns:a16="http://schemas.microsoft.com/office/drawing/2014/main" id="{C1395913-366C-4C71-4E2C-059F75EBB4F2}"/>
               </a:ext>
             </a:extLst>
           </p:cNvPr>
@@ -2062,7 +2062,7 @@
           <a:bodyPr/>
           <a:lstStyle/>
           <a:p>
-            <a:fld id="{F8AA94FD-5F97-49D8-B02E-09D49BBC1826}" type="datetimeFigureOut">
+            <a:fld id="{23388E30-731F-4715-86E1-F5B2FA431837}" type="datetimeFigureOut">
               <a:rPr lang="zh-CN" altLang="en-US" smtClean="0"/>
               <a:t>2024/3/10</a:t>
             </a:fld>
@@ -2075,7 +2075,7 @@
           <p:cNvPr id="3" name="页脚占位符 2">
             <a:extLst>
               <a:ext uri="{FF2B5EF4-FFF2-40B4-BE49-F238E27FC236}">
-                <a16:creationId xmlns:a16="http://schemas.microsoft.com/office/drawing/2014/main" id="{6670C179-23A5-7F5F-379E-40259ADE141F}"/>
+                <a16:creationId xmlns:a16="http://schemas.microsoft.com/office/drawing/2014/main" id="{2CCC1F24-2CC0-4B7E-F59D-F273A09E6324}"/>
               </a:ext>
             </a:extLst>
           </p:cNvPr>
@@ -2100,7 +2100,7 @@
           <p:cNvPr id="4" name="灯片编号占位符 3">
             <a:extLst>
               <a:ext uri="{FF2B5EF4-FFF2-40B4-BE49-F238E27FC236}">
-                <a16:creationId xmlns:a16="http://schemas.microsoft.com/office/drawing/2014/main" id="{9D5278E6-3245-24FA-9A5E-CA4E825B6FBD}"/>
+                <a16:creationId xmlns:a16="http://schemas.microsoft.com/office/drawing/2014/main" id="{25C78E3B-7E23-0360-4D60-FE3F5AAC561D}"/>
               </a:ext>
             </a:extLst>
           </p:cNvPr>
@@ -2116,7 +2116,7 @@
           <a:bodyPr/>
           <a:lstStyle/>
           <a:p>
-            <a:fld id="{6732A8B9-792D-42C9-9AEA-0DC0D430C00F}" type="slidenum">
+            <a:fld id="{5F24DFBC-CE9A-4FC5-A88C-D724DC940880}" type="slidenum">
               <a:rPr lang="zh-CN" altLang="en-US" smtClean="0"/>
               <a:t>‹#›</a:t>
             </a:fld>
@@ -2127,7 +2127,7 @@
     </p:spTree>
     <p:extLst>
       <p:ext uri="{BB962C8B-B14F-4D97-AF65-F5344CB8AC3E}">
-        <p14:creationId xmlns:p14="http://schemas.microsoft.com/office/powerpoint/2010/main" val="257354357"/>
+        <p14:creationId xmlns:p14="http://schemas.microsoft.com/office/powerpoint/2010/main" val="809737105"/>
       </p:ext>
     </p:extLst>
   </p:cSld>
@@ -2159,7 +2159,7 @@
           <p:cNvPr id="2" name="标题 1">
             <a:extLst>
               <a:ext uri="{FF2B5EF4-FFF2-40B4-BE49-F238E27FC236}">
-                <a16:creationId xmlns:a16="http://schemas.microsoft.com/office/drawing/2014/main" id="{F97DFD27-80AD-0FF8-5A07-94FDD6A9B8C0}"/>
+                <a16:creationId xmlns:a16="http://schemas.microsoft.com/office/drawing/2014/main" id="{0D44C367-45CA-E073-E3EB-9A41887EC726}"/>
               </a:ext>
             </a:extLst>
           </p:cNvPr>
@@ -2196,7 +2196,7 @@
           <p:cNvPr id="3" name="内容占位符 2">
             <a:extLst>
               <a:ext uri="{FF2B5EF4-FFF2-40B4-BE49-F238E27FC236}">
-                <a16:creationId xmlns:a16="http://schemas.microsoft.com/office/drawing/2014/main" id="{1AB6601D-B7FF-27A5-1527-D321C8CCC248}"/>
+                <a16:creationId xmlns:a16="http://schemas.microsoft.com/office/drawing/2014/main" id="{2ED93D4F-C610-E631-0ED3-F1E91F0EA0D4}"/>
               </a:ext>
             </a:extLst>
           </p:cNvPr>
@@ -2286,7 +2286,7 @@
           <p:cNvPr id="4" name="文本占位符 3">
             <a:extLst>
               <a:ext uri="{FF2B5EF4-FFF2-40B4-BE49-F238E27FC236}">
-                <a16:creationId xmlns:a16="http://schemas.microsoft.com/office/drawing/2014/main" id="{BC56AF53-DD73-A9DC-672A-B4C978C5A0E0}"/>
+                <a16:creationId xmlns:a16="http://schemas.microsoft.com/office/drawing/2014/main" id="{06925FCD-C6E7-985B-D169-2A52AF0FE857}"/>
               </a:ext>
             </a:extLst>
           </p:cNvPr>
@@ -2357,7 +2357,7 @@
           <p:cNvPr id="5" name="日期占位符 4">
             <a:extLst>
               <a:ext uri="{FF2B5EF4-FFF2-40B4-BE49-F238E27FC236}">
-                <a16:creationId xmlns:a16="http://schemas.microsoft.com/office/drawing/2014/main" id="{ACBF3F94-4F2A-E92B-54C1-93A4A178A1E8}"/>
+                <a16:creationId xmlns:a16="http://schemas.microsoft.com/office/drawing/2014/main" id="{CEA1EC3A-AFC6-DC6F-EB8F-C5BEC7C2DE7B}"/>
               </a:ext>
             </a:extLst>
           </p:cNvPr>
@@ -2373,7 +2373,7 @@
           <a:bodyPr/>
           <a:lstStyle/>
           <a:p>
-            <a:fld id="{F8AA94FD-5F97-49D8-B02E-09D49BBC1826}" type="datetimeFigureOut">
+            <a:fld id="{23388E30-731F-4715-86E1-F5B2FA431837}" type="datetimeFigureOut">
               <a:rPr lang="zh-CN" altLang="en-US" smtClean="0"/>
               <a:t>2024/3/10</a:t>
             </a:fld>
@@ -2386,7 +2386,7 @@
           <p:cNvPr id="6" name="页脚占位符 5">
             <a:extLst>
               <a:ext uri="{FF2B5EF4-FFF2-40B4-BE49-F238E27FC236}">
-                <a16:creationId xmlns:a16="http://schemas.microsoft.com/office/drawing/2014/main" id="{13582A35-A3E7-8AEC-6574-B0063E792D8E}"/>
+                <a16:creationId xmlns:a16="http://schemas.microsoft.com/office/drawing/2014/main" id="{4445A95E-405B-383F-08A2-ABF1AAAB079A}"/>
               </a:ext>
             </a:extLst>
           </p:cNvPr>
@@ -2411,7 +2411,7 @@
           <p:cNvPr id="7" name="灯片编号占位符 6">
             <a:extLst>
               <a:ext uri="{FF2B5EF4-FFF2-40B4-BE49-F238E27FC236}">
-                <a16:creationId xmlns:a16="http://schemas.microsoft.com/office/drawing/2014/main" id="{E329A42F-CF61-921F-0291-3E0E5B4A396F}"/>
+                <a16:creationId xmlns:a16="http://schemas.microsoft.com/office/drawing/2014/main" id="{A7CB42CD-6F67-F4FF-07C5-53B330FCE0EF}"/>
               </a:ext>
             </a:extLst>
           </p:cNvPr>
@@ -2427,7 +2427,7 @@
           <a:bodyPr/>
           <a:lstStyle/>
           <a:p>
-            <a:fld id="{6732A8B9-792D-42C9-9AEA-0DC0D430C00F}" type="slidenum">
+            <a:fld id="{5F24DFBC-CE9A-4FC5-A88C-D724DC940880}" type="slidenum">
               <a:rPr lang="zh-CN" altLang="en-US" smtClean="0"/>
               <a:t>‹#›</a:t>
             </a:fld>
@@ -2438,7 +2438,7 @@
     </p:spTree>
     <p:extLst>
       <p:ext uri="{BB962C8B-B14F-4D97-AF65-F5344CB8AC3E}">
-        <p14:creationId xmlns:p14="http://schemas.microsoft.com/office/powerpoint/2010/main" val="3290365895"/>
+        <p14:creationId xmlns:p14="http://schemas.microsoft.com/office/powerpoint/2010/main" val="3092742187"/>
       </p:ext>
     </p:extLst>
   </p:cSld>
@@ -2470,7 +2470,7 @@
           <p:cNvPr id="2" name="标题 1">
             <a:extLst>
               <a:ext uri="{FF2B5EF4-FFF2-40B4-BE49-F238E27FC236}">
-                <a16:creationId xmlns:a16="http://schemas.microsoft.com/office/drawing/2014/main" id="{4022C6EE-2663-CF45-57FC-D609AC861571}"/>
+                <a16:creationId xmlns:a16="http://schemas.microsoft.com/office/drawing/2014/main" id="{2EA95715-8E60-C4B7-46BD-D8EF99104656}"/>
               </a:ext>
             </a:extLst>
           </p:cNvPr>
@@ -2507,7 +2507,7 @@
           <p:cNvPr id="3" name="图片占位符 2">
             <a:extLst>
               <a:ext uri="{FF2B5EF4-FFF2-40B4-BE49-F238E27FC236}">
-                <a16:creationId xmlns:a16="http://schemas.microsoft.com/office/drawing/2014/main" id="{60EBD3A1-035F-1A67-F99F-D5DF7D9986CD}"/>
+                <a16:creationId xmlns:a16="http://schemas.microsoft.com/office/drawing/2014/main" id="{2383A1C0-694E-24D8-BE56-4CCA9EA62CE8}"/>
               </a:ext>
             </a:extLst>
           </p:cNvPr>
@@ -2574,7 +2574,7 @@
           <p:cNvPr id="4" name="文本占位符 3">
             <a:extLst>
               <a:ext uri="{FF2B5EF4-FFF2-40B4-BE49-F238E27FC236}">
-                <a16:creationId xmlns:a16="http://schemas.microsoft.com/office/drawing/2014/main" id="{7C6A45A4-45C2-930F-3DCC-600DD50937A3}"/>
+                <a16:creationId xmlns:a16="http://schemas.microsoft.com/office/drawing/2014/main" id="{DA3B82FD-517C-5387-EFA1-43AC1CC2A017}"/>
               </a:ext>
             </a:extLst>
           </p:cNvPr>
@@ -2645,7 +2645,7 @@
           <p:cNvPr id="5" name="日期占位符 4">
             <a:extLst>
               <a:ext uri="{FF2B5EF4-FFF2-40B4-BE49-F238E27FC236}">
-                <a16:creationId xmlns:a16="http://schemas.microsoft.com/office/drawing/2014/main" id="{116567DD-7DFB-4FBF-9F0F-A71D474686AC}"/>
+                <a16:creationId xmlns:a16="http://schemas.microsoft.com/office/drawing/2014/main" id="{B077A7B3-F988-8164-FADA-671219F3AD1D}"/>
               </a:ext>
             </a:extLst>
           </p:cNvPr>
@@ -2661,7 +2661,7 @@
           <a:bodyPr/>
           <a:lstStyle/>
           <a:p>
-            <a:fld id="{F8AA94FD-5F97-49D8-B02E-09D49BBC1826}" type="datetimeFigureOut">
+            <a:fld id="{23388E30-731F-4715-86E1-F5B2FA431837}" type="datetimeFigureOut">
               <a:rPr lang="zh-CN" altLang="en-US" smtClean="0"/>
               <a:t>2024/3/10</a:t>
             </a:fld>
@@ -2674,7 +2674,7 @@
           <p:cNvPr id="6" name="页脚占位符 5">
             <a:extLst>
               <a:ext uri="{FF2B5EF4-FFF2-40B4-BE49-F238E27FC236}">
-                <a16:creationId xmlns:a16="http://schemas.microsoft.com/office/drawing/2014/main" id="{946F048B-E7B7-D180-47C5-66109E58B796}"/>
+                <a16:creationId xmlns:a16="http://schemas.microsoft.com/office/drawing/2014/main" id="{DB8CEF2D-BB53-E349-6649-B1C2BDE24176}"/>
               </a:ext>
             </a:extLst>
           </p:cNvPr>
@@ -2699,7 +2699,7 @@
           <p:cNvPr id="7" name="灯片编号占位符 6">
             <a:extLst>
               <a:ext uri="{FF2B5EF4-FFF2-40B4-BE49-F238E27FC236}">
-                <a16:creationId xmlns:a16="http://schemas.microsoft.com/office/drawing/2014/main" id="{C8D15413-A492-AACC-3B4C-15A418CE6905}"/>
+                <a16:creationId xmlns:a16="http://schemas.microsoft.com/office/drawing/2014/main" id="{266A2AFE-A76E-59EF-C4BD-A0B76A61803B}"/>
               </a:ext>
             </a:extLst>
           </p:cNvPr>
@@ -2715,7 +2715,7 @@
           <a:bodyPr/>
           <a:lstStyle/>
           <a:p>
-            <a:fld id="{6732A8B9-792D-42C9-9AEA-0DC0D430C00F}" type="slidenum">
+            <a:fld id="{5F24DFBC-CE9A-4FC5-A88C-D724DC940880}" type="slidenum">
               <a:rPr lang="zh-CN" altLang="en-US" smtClean="0"/>
               <a:t>‹#›</a:t>
             </a:fld>
@@ -2726,7 +2726,7 @@
     </p:spTree>
     <p:extLst>
       <p:ext uri="{BB962C8B-B14F-4D97-AF65-F5344CB8AC3E}">
-        <p14:creationId xmlns:p14="http://schemas.microsoft.com/office/powerpoint/2010/main" val="4188219988"/>
+        <p14:creationId xmlns:p14="http://schemas.microsoft.com/office/powerpoint/2010/main" val="920577685"/>
       </p:ext>
     </p:extLst>
   </p:cSld>
@@ -2763,7 +2763,7 @@
           <p:cNvPr id="2" name="标题占位符 1">
             <a:extLst>
               <a:ext uri="{FF2B5EF4-FFF2-40B4-BE49-F238E27FC236}">
-                <a16:creationId xmlns:a16="http://schemas.microsoft.com/office/drawing/2014/main" id="{4B61ECBC-BE41-A4B0-9145-60093DF9DCCE}"/>
+                <a16:creationId xmlns:a16="http://schemas.microsoft.com/office/drawing/2014/main" id="{DF52C794-46B9-FF85-D412-5583289D9C2B}"/>
               </a:ext>
             </a:extLst>
           </p:cNvPr>
@@ -2801,7 +2801,7 @@
           <p:cNvPr id="3" name="文本占位符 2">
             <a:extLst>
               <a:ext uri="{FF2B5EF4-FFF2-40B4-BE49-F238E27FC236}">
-                <a16:creationId xmlns:a16="http://schemas.microsoft.com/office/drawing/2014/main" id="{1CAC9D96-C396-C81B-D542-F6D5BF640940}"/>
+                <a16:creationId xmlns:a16="http://schemas.microsoft.com/office/drawing/2014/main" id="{91EAB8F5-02F7-E6EF-8A50-0C115438FD38}"/>
               </a:ext>
             </a:extLst>
           </p:cNvPr>
@@ -2868,7 +2868,7 @@
           <p:cNvPr id="4" name="日期占位符 3">
             <a:extLst>
               <a:ext uri="{FF2B5EF4-FFF2-40B4-BE49-F238E27FC236}">
-                <a16:creationId xmlns:a16="http://schemas.microsoft.com/office/drawing/2014/main" id="{59C3FD0D-DEFD-17CB-97CC-B49FD60F9829}"/>
+                <a16:creationId xmlns:a16="http://schemas.microsoft.com/office/drawing/2014/main" id="{30818107-6EA2-5473-0267-E6519C855D98}"/>
               </a:ext>
             </a:extLst>
           </p:cNvPr>
@@ -2902,7 +2902,7 @@
             </a:lvl1pPr>
           </a:lstStyle>
           <a:p>
-            <a:fld id="{F8AA94FD-5F97-49D8-B02E-09D49BBC1826}" type="datetimeFigureOut">
+            <a:fld id="{23388E30-731F-4715-86E1-F5B2FA431837}" type="datetimeFigureOut">
               <a:rPr lang="zh-CN" altLang="en-US" smtClean="0"/>
               <a:t>2024/3/10</a:t>
             </a:fld>
@@ -2915,7 +2915,7 @@
           <p:cNvPr id="5" name="页脚占位符 4">
             <a:extLst>
               <a:ext uri="{FF2B5EF4-FFF2-40B4-BE49-F238E27FC236}">
-                <a16:creationId xmlns:a16="http://schemas.microsoft.com/office/drawing/2014/main" id="{8BE01D8B-DF51-92EA-61C1-5D3AB2D896E1}"/>
+                <a16:creationId xmlns:a16="http://schemas.microsoft.com/office/drawing/2014/main" id="{81590E4A-2E41-3CA1-15F3-65F2D2D53AA2}"/>
               </a:ext>
             </a:extLst>
           </p:cNvPr>
@@ -2958,7 +2958,7 @@
           <p:cNvPr id="6" name="灯片编号占位符 5">
             <a:extLst>
               <a:ext uri="{FF2B5EF4-FFF2-40B4-BE49-F238E27FC236}">
-                <a16:creationId xmlns:a16="http://schemas.microsoft.com/office/drawing/2014/main" id="{C5354B5E-940B-CE9C-4A06-78CC7E4CA85F}"/>
+                <a16:creationId xmlns:a16="http://schemas.microsoft.com/office/drawing/2014/main" id="{17F25C4C-2909-4961-37B5-E375DBD5D499}"/>
               </a:ext>
             </a:extLst>
           </p:cNvPr>
@@ -2992,7 +2992,7 @@
             </a:lvl1pPr>
           </a:lstStyle>
           <a:p>
-            <a:fld id="{6732A8B9-792D-42C9-9AEA-0DC0D430C00F}" type="slidenum">
+            <a:fld id="{5F24DFBC-CE9A-4FC5-A88C-D724DC940880}" type="slidenum">
               <a:rPr lang="zh-CN" altLang="en-US" smtClean="0"/>
               <a:t>‹#›</a:t>
             </a:fld>
@@ -3003,7 +3003,7 @@
     </p:spTree>
     <p:extLst>
       <p:ext uri="{BB962C8B-B14F-4D97-AF65-F5344CB8AC3E}">
-        <p14:creationId xmlns:p14="http://schemas.microsoft.com/office/powerpoint/2010/main" val="1966331889"/>
+        <p14:creationId xmlns:p14="http://schemas.microsoft.com/office/powerpoint/2010/main" val="648273947"/>
       </p:ext>
     </p:extLst>
   </p:cSld>
@@ -3323,7 +3323,7 @@
       </p:grpSpPr>
       <p:pic>
         <p:nvPicPr>
-          <p:cNvPr id="1171458" name="Picture 2" descr="1143"/>
+          <p:cNvPr id="1172482" name="Picture 2" descr="1144"/>
           <p:cNvPicPr>
             <a:picLocks noChangeAspect="1" noChangeArrowheads="1"/>
           </p:cNvPicPr>
